--- a/graphics.pptx
+++ b/graphics.pptx
@@ -5,23 +5,25 @@
     <p:sldMasterId id="2147483648" r:id="rId1"/>
   </p:sldMasterIdLst>
   <p:notesMasterIdLst>
-    <p:notesMasterId r:id="rId17"/>
+    <p:notesMasterId r:id="rId19"/>
   </p:notesMasterIdLst>
   <p:sldIdLst>
     <p:sldId id="256" r:id="rId3"/>
-    <p:sldId id="257" r:id="rId4"/>
-    <p:sldId id="258" r:id="rId5"/>
-    <p:sldId id="260" r:id="rId6"/>
-    <p:sldId id="263" r:id="rId7"/>
-    <p:sldId id="265" r:id="rId8"/>
-    <p:sldId id="266" r:id="rId9"/>
-    <p:sldId id="262" r:id="rId10"/>
-    <p:sldId id="261" r:id="rId11"/>
-    <p:sldId id="267" r:id="rId12"/>
-    <p:sldId id="268" r:id="rId13"/>
-    <p:sldId id="269" r:id="rId14"/>
-    <p:sldId id="270" r:id="rId15"/>
-    <p:sldId id="271" r:id="rId16"/>
+    <p:sldId id="275" r:id="rId4"/>
+    <p:sldId id="257" r:id="rId5"/>
+    <p:sldId id="258" r:id="rId6"/>
+    <p:sldId id="260" r:id="rId7"/>
+    <p:sldId id="263" r:id="rId8"/>
+    <p:sldId id="265" r:id="rId9"/>
+    <p:sldId id="266" r:id="rId10"/>
+    <p:sldId id="262" r:id="rId11"/>
+    <p:sldId id="261" r:id="rId12"/>
+    <p:sldId id="267" r:id="rId13"/>
+    <p:sldId id="274" r:id="rId14"/>
+    <p:sldId id="268" r:id="rId15"/>
+    <p:sldId id="269" r:id="rId16"/>
+    <p:sldId id="270" r:id="rId17"/>
+    <p:sldId id="271" r:id="rId18"/>
   </p:sldIdLst>
   <p:sldSz cx="12192000" cy="6858000"/>
   <p:notesSz cx="6858000" cy="9144000"/>
@@ -3401,13 +3403,17 @@
         </p:nvSpPr>
         <p:spPr/>
         <p:txBody>
-          <a:bodyPr/>
-          <a:p>
-            <a:r>
-              <a:rPr lang="en-US" altLang="zh-CN"/>
-              <a:t>App Demo</a:t>
-            </a:r>
-            <a:endParaRPr lang="en-US" altLang="zh-CN"/>
+          <a:bodyPr>
+            <a:normAutofit/>
+          </a:bodyPr>
+          <a:p>
+            <a:r>
+              <a:rPr lang="en-US" altLang="zh-CN">
+                <a:sym typeface="+mn-ea"/>
+              </a:rPr>
+              <a:t>Background - Purpose of the App</a:t>
+            </a:r>
+            <a:endParaRPr lang="zh-CN" altLang="en-US"/>
           </a:p>
         </p:txBody>
       </p:sp>
@@ -3425,10 +3431,50 @@
         <p:txBody>
           <a:bodyPr/>
           <a:p>
-            <a:pPr marL="0" indent="0">
+            <a:pPr marL="457200" lvl="1" indent="0">
               <a:buNone/>
             </a:pPr>
-            <a:endParaRPr lang="zh-CN" altLang="en-US"/>
+            <a:r>
+              <a:rPr lang="en-US" altLang="zh-CN" sz="2800">
+                <a:sym typeface="+mn-ea"/>
+              </a:rPr>
+              <a:t>We want to know: what is going on</a:t>
+            </a:r>
+            <a:endParaRPr lang="en-US" altLang="zh-CN" sz="2800"/>
+          </a:p>
+          <a:p>
+            <a:pPr lvl="1"/>
+            <a:r>
+              <a:rPr lang="en-US" altLang="zh-CN" sz="1400">
+                <a:sym typeface="+mn-ea"/>
+              </a:rPr>
+              <a:t>(and what if I want to use your methods but not familiar with R :))))?)</a:t>
+            </a:r>
+            <a:endParaRPr lang="en-US" altLang="zh-CN" sz="1400">
+              <a:sym typeface="+mn-ea"/>
+            </a:endParaRPr>
+          </a:p>
+          <a:p>
+            <a:pPr lvl="1"/>
+            <a:endParaRPr lang="en-US" altLang="zh-CN" sz="1900"/>
+          </a:p>
+          <a:p>
+            <a:pPr lvl="1"/>
+            <a:endParaRPr lang="en-US" altLang="zh-CN" sz="1900"/>
+          </a:p>
+          <a:p>
+            <a:pPr lvl="1"/>
+            <a:endParaRPr lang="en-US" altLang="zh-CN" sz="1900"/>
+          </a:p>
+          <a:p>
+            <a:pPr lvl="1"/>
+            <a:endParaRPr lang="en-US" altLang="zh-CN" sz="1900"/>
+          </a:p>
+          <a:p>
+            <a:pPr marL="0" lvl="0" indent="0">
+              <a:buNone/>
+            </a:pPr>
+            <a:endParaRPr lang="en-US" altLang="zh-CN" sz="2215"/>
           </a:p>
         </p:txBody>
       </p:sp>
@@ -3486,35 +3532,10 @@
         <p:txBody>
           <a:bodyPr/>
           <a:p>
-            <a:r>
-              <a:rPr lang="en-US" altLang="zh-CN"/>
-              <a:t>main purpose</a:t>
-            </a:r>
-            <a:endParaRPr lang="en-US" altLang="zh-CN"/>
-          </a:p>
-          <a:p>
-            <a:r>
-              <a:rPr lang="en-US" altLang="zh-CN"/>
-              <a:t>reproducibility</a:t>
-            </a:r>
-            <a:endParaRPr lang="en-US" altLang="zh-CN"/>
-          </a:p>
-          <a:p>
-            <a:r>
-              <a:rPr lang="en-US" altLang="zh-CN"/>
-              <a:t>extensibility</a:t>
-            </a:r>
-            <a:endParaRPr lang="en-US" altLang="zh-CN"/>
-          </a:p>
-          <a:p>
-            <a:r>
-              <a:rPr lang="en-US" altLang="zh-CN"/>
-              <a:t>collaboration</a:t>
-            </a:r>
-            <a:endParaRPr lang="en-US" altLang="zh-CN"/>
-          </a:p>
-          <a:p>
-            <a:endParaRPr lang="en-US" altLang="zh-CN"/>
+            <a:pPr marL="0" indent="0">
+              <a:buNone/>
+            </a:pPr>
+            <a:endParaRPr lang="zh-CN" altLang="en-US"/>
           </a:p>
         </p:txBody>
       </p:sp>
@@ -3551,10 +3572,12 @@
           <a:bodyPr/>
           <a:p>
             <a:r>
-              <a:rPr lang="en-US" altLang="zh-CN"/>
-              <a:t>Discussion</a:t>
-            </a:r>
-            <a:endParaRPr lang="en-US" altLang="zh-CN"/>
+              <a:rPr lang="en-US" altLang="zh-CN">
+                <a:sym typeface="+mn-ea"/>
+              </a:rPr>
+              <a:t>App Demo</a:t>
+            </a:r>
+            <a:endParaRPr lang="zh-CN" altLang="en-US"/>
           </a:p>
         </p:txBody>
       </p:sp>
@@ -3572,10 +3595,17 @@
         <p:txBody>
           <a:bodyPr/>
           <a:p>
+            <a:r>
+              <a:rPr lang="en-US" altLang="zh-CN"/>
+              <a:t>Can we</a:t>
+            </a:r>
+            <a:endParaRPr lang="en-US" altLang="zh-CN"/>
+          </a:p>
+          <a:p>
             <a:pPr lvl="1"/>
             <a:r>
               <a:rPr lang="en-US" altLang="zh-CN"/>
-              <a:t>UI design</a:t>
+              <a:t> start with x3p files?</a:t>
             </a:r>
             <a:endParaRPr lang="en-US" altLang="zh-CN"/>
           </a:p>
@@ -3583,7 +3613,7 @@
             <a:pPr lvl="1"/>
             <a:r>
               <a:rPr lang="en-US" altLang="zh-CN"/>
-              <a:t>some drop-down icons that provides detailed instruction</a:t>
+              <a:t>call x3ptool &amp; bulletxtrctr functions in the app?</a:t>
             </a:r>
             <a:endParaRPr lang="en-US" altLang="zh-CN"/>
           </a:p>
@@ -3591,35 +3621,23 @@
             <a:pPr lvl="1"/>
             <a:r>
               <a:rPr lang="en-US" altLang="zh-CN"/>
-              <a:t>...</a:t>
+              <a:t>see the codes? save the codes? </a:t>
             </a:r>
             <a:endParaRPr lang="en-US" altLang="zh-CN"/>
           </a:p>
           <a:p>
             <a:pPr lvl="1"/>
+            <a:r>
+              <a:rPr lang="en-US" altLang="zh-CN"/>
+              <a:t>save my work and distribute it to others?</a:t>
+            </a:r>
             <a:endParaRPr lang="en-US" altLang="zh-CN"/>
           </a:p>
           <a:p>
             <a:pPr lvl="1"/>
             <a:r>
               <a:rPr lang="en-US" altLang="zh-CN"/>
-              <a:t>Clone and try</a:t>
-            </a:r>
-            <a:endParaRPr lang="en-US" altLang="zh-CN"/>
-          </a:p>
-          <a:p>
-            <a:pPr lvl="2"/>
-            <a:r>
-              <a:rPr lang="en-US" altLang="zh-CN"/>
-              <a:t>https://github.com/willju-wangqian/bulletInvestigatoR</a:t>
-            </a:r>
-            <a:endParaRPr lang="en-US" altLang="zh-CN"/>
-          </a:p>
-          <a:p>
-            <a:pPr lvl="2"/>
-            <a:r>
-              <a:rPr lang="en-US" altLang="zh-CN"/>
-              <a:t>wju at iastate.edu</a:t>
+              <a:t>customize or add more functionalities to the app?</a:t>
             </a:r>
             <a:endParaRPr lang="en-US" altLang="zh-CN"/>
           </a:p>
@@ -3659,7 +3677,7 @@
           <a:p>
             <a:r>
               <a:rPr lang="en-US" altLang="zh-CN"/>
-              <a:t>Shiny Development</a:t>
+              <a:t>App Demo</a:t>
             </a:r>
             <a:endParaRPr lang="en-US" altLang="zh-CN"/>
           </a:p>
@@ -3679,43 +3697,34 @@
         <p:txBody>
           <a:bodyPr/>
           <a:p>
-            <a:pPr lvl="1"/>
-            <a:r>
-              <a:rPr lang="en-US" altLang="zh-CN"/>
-              <a:t>Shiny Gallery: https://shiny.rstudio.com/gallery/</a:t>
-            </a:r>
-            <a:endParaRPr lang="en-US" altLang="zh-CN"/>
-          </a:p>
-          <a:p>
-            <a:pPr lvl="1"/>
-            <a:r>
-              <a:rPr lang="en-US" altLang="zh-CN"/>
-              <a:t>Shiny Articles: https://shiny.rstudio.com/articles/</a:t>
-            </a:r>
-            <a:endParaRPr lang="en-US" altLang="zh-CN"/>
-          </a:p>
-          <a:p>
-            <a:pPr lvl="1"/>
-            <a:r>
-              <a:rPr lang="en-US" altLang="zh-CN"/>
-              <a:t>Dr. Lyu (Annie)'s post: https://annielyu.com/2020/02/04/viscover-shiny/</a:t>
-            </a:r>
-            <a:endParaRPr lang="en-US" altLang="zh-CN"/>
-          </a:p>
-          <a:p>
-            <a:pPr lvl="1"/>
-            <a:r>
-              <a:rPr lang="en-US" altLang="zh-CN"/>
-              <a:t>Dean Attali: https://deanattali.com/blog/advanced-shiny-tips/</a:t>
-            </a:r>
-            <a:endParaRPr lang="en-US" altLang="zh-CN"/>
-          </a:p>
-          <a:p>
-            <a:pPr lvl="1"/>
-            <a:r>
-              <a:rPr lang="en-US" altLang="zh-CN"/>
-              <a:t>...</a:t>
-            </a:r>
+            <a:r>
+              <a:rPr lang="en-US" altLang="zh-CN"/>
+              <a:t>main purpose</a:t>
+            </a:r>
+            <a:endParaRPr lang="en-US" altLang="zh-CN"/>
+          </a:p>
+          <a:p>
+            <a:r>
+              <a:rPr lang="en-US" altLang="zh-CN"/>
+              <a:t>reproducibility</a:t>
+            </a:r>
+            <a:endParaRPr lang="en-US" altLang="zh-CN"/>
+          </a:p>
+          <a:p>
+            <a:r>
+              <a:rPr lang="en-US" altLang="zh-CN"/>
+              <a:t>extensibility</a:t>
+            </a:r>
+            <a:endParaRPr lang="en-US" altLang="zh-CN"/>
+          </a:p>
+          <a:p>
+            <a:r>
+              <a:rPr lang="en-US" altLang="zh-CN"/>
+              <a:t>collaboration</a:t>
+            </a:r>
+            <a:endParaRPr lang="en-US" altLang="zh-CN"/>
+          </a:p>
+          <a:p>
             <a:endParaRPr lang="en-US" altLang="zh-CN"/>
           </a:p>
         </p:txBody>
@@ -3754,6 +3763,208 @@
           <a:p>
             <a:r>
               <a:rPr lang="en-US" altLang="zh-CN"/>
+              <a:t>Discussion</a:t>
+            </a:r>
+            <a:endParaRPr lang="en-US" altLang="zh-CN"/>
+          </a:p>
+        </p:txBody>
+      </p:sp>
+      <p:sp>
+        <p:nvSpPr>
+          <p:cNvPr id="3" name="内容占位符 2"/>
+          <p:cNvSpPr>
+            <a:spLocks noGrp="1"/>
+          </p:cNvSpPr>
+          <p:nvPr>
+            <p:ph idx="1"/>
+          </p:nvPr>
+        </p:nvSpPr>
+        <p:spPr/>
+        <p:txBody>
+          <a:bodyPr/>
+          <a:p>
+            <a:pPr lvl="1"/>
+            <a:r>
+              <a:rPr lang="en-US" altLang="zh-CN"/>
+              <a:t>UI design</a:t>
+            </a:r>
+            <a:endParaRPr lang="en-US" altLang="zh-CN"/>
+          </a:p>
+          <a:p>
+            <a:pPr lvl="1"/>
+            <a:r>
+              <a:rPr lang="en-US" altLang="zh-CN"/>
+              <a:t>some drop-down icons that provides detailed instruction</a:t>
+            </a:r>
+            <a:endParaRPr lang="en-US" altLang="zh-CN"/>
+          </a:p>
+          <a:p>
+            <a:pPr lvl="1"/>
+            <a:r>
+              <a:rPr lang="en-US" altLang="zh-CN"/>
+              <a:t>...</a:t>
+            </a:r>
+            <a:endParaRPr lang="en-US" altLang="zh-CN"/>
+          </a:p>
+          <a:p>
+            <a:pPr lvl="1"/>
+            <a:endParaRPr lang="en-US" altLang="zh-CN"/>
+          </a:p>
+          <a:p>
+            <a:pPr lvl="1"/>
+            <a:r>
+              <a:rPr lang="en-US" altLang="zh-CN"/>
+              <a:t>Clone and try</a:t>
+            </a:r>
+            <a:endParaRPr lang="en-US" altLang="zh-CN"/>
+          </a:p>
+          <a:p>
+            <a:pPr lvl="2"/>
+            <a:r>
+              <a:rPr lang="en-US" altLang="zh-CN"/>
+              <a:t>https://github.com/willju-wangqian/bulletInvestigatoR</a:t>
+            </a:r>
+            <a:endParaRPr lang="en-US" altLang="zh-CN"/>
+          </a:p>
+          <a:p>
+            <a:pPr lvl="2"/>
+            <a:r>
+              <a:rPr lang="en-US" altLang="zh-CN"/>
+              <a:t>wju at iastate.edu</a:t>
+            </a:r>
+            <a:endParaRPr lang="en-US" altLang="zh-CN"/>
+          </a:p>
+        </p:txBody>
+      </p:sp>
+    </p:spTree>
+  </p:cSld>
+  <p:clrMapOvr>
+    <a:masterClrMapping/>
+  </p:clrMapOvr>
+</p:sld>
+</file>
+
+<file path=ppt/slides/slide15.xml><?xml version="1.0" encoding="utf-8"?>
+<p:sld xmlns:a="http://schemas.openxmlformats.org/drawingml/2006/main" xmlns:r="http://schemas.openxmlformats.org/officeDocument/2006/relationships" xmlns:p="http://schemas.openxmlformats.org/presentationml/2006/main">
+  <p:cSld>
+    <p:spTree>
+      <p:nvGrpSpPr>
+        <p:cNvPr id="1" name=""/>
+        <p:cNvGrpSpPr/>
+        <p:nvPr/>
+      </p:nvGrpSpPr>
+      <p:grpSpPr/>
+      <p:sp>
+        <p:nvSpPr>
+          <p:cNvPr id="2" name="标题 1"/>
+          <p:cNvSpPr>
+            <a:spLocks noGrp="1"/>
+          </p:cNvSpPr>
+          <p:nvPr>
+            <p:ph type="title"/>
+          </p:nvPr>
+        </p:nvSpPr>
+        <p:spPr/>
+        <p:txBody>
+          <a:bodyPr/>
+          <a:p>
+            <a:r>
+              <a:rPr lang="en-US" altLang="zh-CN"/>
+              <a:t>Shiny Development</a:t>
+            </a:r>
+            <a:endParaRPr lang="en-US" altLang="zh-CN"/>
+          </a:p>
+        </p:txBody>
+      </p:sp>
+      <p:sp>
+        <p:nvSpPr>
+          <p:cNvPr id="3" name="内容占位符 2"/>
+          <p:cNvSpPr>
+            <a:spLocks noGrp="1"/>
+          </p:cNvSpPr>
+          <p:nvPr>
+            <p:ph idx="1"/>
+          </p:nvPr>
+        </p:nvSpPr>
+        <p:spPr/>
+        <p:txBody>
+          <a:bodyPr/>
+          <a:p>
+            <a:pPr lvl="1"/>
+            <a:r>
+              <a:rPr lang="en-US" altLang="zh-CN"/>
+              <a:t>Shiny Gallery: https://shiny.rstudio.com/gallery/</a:t>
+            </a:r>
+            <a:endParaRPr lang="en-US" altLang="zh-CN"/>
+          </a:p>
+          <a:p>
+            <a:pPr lvl="1"/>
+            <a:r>
+              <a:rPr lang="en-US" altLang="zh-CN"/>
+              <a:t>Shiny Articles: https://shiny.rstudio.com/articles/</a:t>
+            </a:r>
+            <a:endParaRPr lang="en-US" altLang="zh-CN"/>
+          </a:p>
+          <a:p>
+            <a:pPr lvl="1"/>
+            <a:r>
+              <a:rPr lang="en-US" altLang="zh-CN"/>
+              <a:t>Dr. Lyu (Annie)'s post: https://annielyu.com/2020/02/04/viscover-shiny/</a:t>
+            </a:r>
+            <a:endParaRPr lang="en-US" altLang="zh-CN"/>
+          </a:p>
+          <a:p>
+            <a:pPr lvl="1"/>
+            <a:r>
+              <a:rPr lang="en-US" altLang="zh-CN"/>
+              <a:t>Dean Attali: https://deanattali.com/blog/advanced-shiny-tips/</a:t>
+            </a:r>
+            <a:endParaRPr lang="en-US" altLang="zh-CN"/>
+          </a:p>
+          <a:p>
+            <a:pPr lvl="1"/>
+            <a:r>
+              <a:rPr lang="en-US" altLang="zh-CN"/>
+              <a:t>...</a:t>
+            </a:r>
+            <a:endParaRPr lang="en-US" altLang="zh-CN"/>
+          </a:p>
+        </p:txBody>
+      </p:sp>
+    </p:spTree>
+  </p:cSld>
+  <p:clrMapOvr>
+    <a:masterClrMapping/>
+  </p:clrMapOvr>
+</p:sld>
+</file>
+
+<file path=ppt/slides/slide16.xml><?xml version="1.0" encoding="utf-8"?>
+<p:sld xmlns:a="http://schemas.openxmlformats.org/drawingml/2006/main" xmlns:r="http://schemas.openxmlformats.org/officeDocument/2006/relationships" xmlns:p="http://schemas.openxmlformats.org/presentationml/2006/main">
+  <p:cSld>
+    <p:spTree>
+      <p:nvGrpSpPr>
+        <p:cNvPr id="1" name=""/>
+        <p:cNvGrpSpPr/>
+        <p:nvPr/>
+      </p:nvGrpSpPr>
+      <p:grpSpPr/>
+      <p:sp>
+        <p:nvSpPr>
+          <p:cNvPr id="2" name="标题 1"/>
+          <p:cNvSpPr>
+            <a:spLocks noGrp="1"/>
+          </p:cNvSpPr>
+          <p:nvPr>
+            <p:ph type="title"/>
+          </p:nvPr>
+        </p:nvSpPr>
+        <p:spPr/>
+        <p:txBody>
+          <a:bodyPr/>
+          <a:p>
+            <a:r>
+              <a:rPr lang="en-US" altLang="zh-CN"/>
               <a:t>Thank you!</a:t>
             </a:r>
             <a:endParaRPr lang="en-US" altLang="zh-CN"/>
@@ -3824,7 +4035,7 @@
           <a:p>
             <a:r>
               <a:rPr lang="en-US" altLang="zh-CN"/>
-              <a:t>Outline</a:t>
+              <a:t>Download and Try</a:t>
             </a:r>
             <a:endParaRPr lang="en-US" altLang="zh-CN"/>
           </a:p>
@@ -3845,8 +4056,15 @@
           <a:bodyPr/>
           <a:p>
             <a:r>
-              <a:rPr lang="en-US" altLang="zh-CN"/>
-              <a:t>Background</a:t>
+              <a:rPr lang="zh-CN" altLang="en-US"/>
+              <a:t>https://github.com/willju-wangqian/bulletinvestigatR</a:t>
+            </a:r>
+            <a:endParaRPr lang="zh-CN" altLang="en-US"/>
+          </a:p>
+          <a:p>
+            <a:r>
+              <a:rPr lang="en-US" altLang="zh-CN"/>
+              <a:t>forppt.R</a:t>
             </a:r>
             <a:endParaRPr lang="en-US" altLang="zh-CN"/>
           </a:p>
@@ -3854,36 +4072,52 @@
             <a:pPr lvl="1"/>
             <a:r>
               <a:rPr lang="en-US" altLang="zh-CN"/>
-              <a:t>x3ptools &amp; bulletxtrctr</a:t>
+              <a:t>install required libraries</a:t>
             </a:r>
             <a:endParaRPr lang="en-US" altLang="zh-CN"/>
           </a:p>
           <a:p>
             <a:pPr lvl="1"/>
-            <a:r>
-              <a:rPr lang="en-US" altLang="zh-CN"/>
-              <a:t>purpose of the App</a:t>
-            </a:r>
             <a:endParaRPr lang="en-US" altLang="zh-CN"/>
           </a:p>
           <a:p>
             <a:pPr lvl="0"/>
             <a:r>
               <a:rPr lang="en-US" altLang="zh-CN"/>
-              <a:t>App Demo</a:t>
+              <a:t>ui.R, server.R, global.R</a:t>
             </a:r>
             <a:endParaRPr lang="en-US" altLang="zh-CN"/>
           </a:p>
           <a:p>
             <a:pPr lvl="0"/>
-            <a:r>
-              <a:rPr lang="en-US" altLang="zh-CN"/>
-              <a:t>Discussion</a:t>
-            </a:r>
-            <a:endParaRPr lang="en-US" altLang="zh-CN"/>
-          </a:p>
-        </p:txBody>
-      </p:sp>
+            <a:endParaRPr lang="en-US" altLang="zh-CN"/>
+          </a:p>
+        </p:txBody>
+      </p:sp>
+      <p:pic>
+        <p:nvPicPr>
+          <p:cNvPr id="4" name="图片 3"/>
+          <p:cNvPicPr>
+            <a:picLocks noChangeAspect="1"/>
+          </p:cNvPicPr>
+          <p:nvPr/>
+        </p:nvPicPr>
+        <p:blipFill>
+          <a:blip r:embed="rId1"/>
+          <a:stretch>
+            <a:fillRect/>
+          </a:stretch>
+        </p:blipFill>
+        <p:spPr>
+          <a:xfrm>
+            <a:off x="4625975" y="3540125"/>
+            <a:ext cx="1582420" cy="601980"/>
+          </a:xfrm>
+          <a:prstGeom prst="rect">
+            <a:avLst/>
+          </a:prstGeom>
+        </p:spPr>
+      </p:pic>
     </p:spTree>
   </p:cSld>
   <p:clrMapOvr>
@@ -3893,6 +4127,100 @@
 </file>
 
 <file path=ppt/slides/slide3.xml><?xml version="1.0" encoding="utf-8"?>
+<p:sld xmlns:a="http://schemas.openxmlformats.org/drawingml/2006/main" xmlns:r="http://schemas.openxmlformats.org/officeDocument/2006/relationships" xmlns:p="http://schemas.openxmlformats.org/presentationml/2006/main">
+  <p:cSld>
+    <p:spTree>
+      <p:nvGrpSpPr>
+        <p:cNvPr id="1" name=""/>
+        <p:cNvGrpSpPr/>
+        <p:nvPr/>
+      </p:nvGrpSpPr>
+      <p:grpSpPr/>
+      <p:sp>
+        <p:nvSpPr>
+          <p:cNvPr id="2" name="标题 1"/>
+          <p:cNvSpPr>
+            <a:spLocks noGrp="1"/>
+          </p:cNvSpPr>
+          <p:nvPr>
+            <p:ph type="title"/>
+          </p:nvPr>
+        </p:nvSpPr>
+        <p:spPr/>
+        <p:txBody>
+          <a:bodyPr/>
+          <a:p>
+            <a:r>
+              <a:rPr lang="en-US" altLang="zh-CN"/>
+              <a:t>Outline</a:t>
+            </a:r>
+            <a:endParaRPr lang="en-US" altLang="zh-CN"/>
+          </a:p>
+        </p:txBody>
+      </p:sp>
+      <p:sp>
+        <p:nvSpPr>
+          <p:cNvPr id="3" name="内容占位符 2"/>
+          <p:cNvSpPr>
+            <a:spLocks noGrp="1"/>
+          </p:cNvSpPr>
+          <p:nvPr>
+            <p:ph idx="1"/>
+          </p:nvPr>
+        </p:nvSpPr>
+        <p:spPr/>
+        <p:txBody>
+          <a:bodyPr/>
+          <a:p>
+            <a:r>
+              <a:rPr lang="en-US" altLang="zh-CN"/>
+              <a:t>Background</a:t>
+            </a:r>
+            <a:endParaRPr lang="en-US" altLang="zh-CN"/>
+          </a:p>
+          <a:p>
+            <a:pPr lvl="1"/>
+            <a:r>
+              <a:rPr lang="en-US" altLang="zh-CN"/>
+              <a:t>x3ptools &amp; bulletxtrctr</a:t>
+            </a:r>
+            <a:endParaRPr lang="en-US" altLang="zh-CN"/>
+          </a:p>
+          <a:p>
+            <a:pPr lvl="1"/>
+            <a:r>
+              <a:rPr lang="en-US" altLang="zh-CN"/>
+              <a:t>purpose of the App</a:t>
+            </a:r>
+            <a:endParaRPr lang="en-US" altLang="zh-CN"/>
+          </a:p>
+          <a:p>
+            <a:pPr lvl="0"/>
+            <a:r>
+              <a:rPr lang="en-US" altLang="zh-CN"/>
+              <a:t>App Demo</a:t>
+            </a:r>
+            <a:endParaRPr lang="en-US" altLang="zh-CN"/>
+          </a:p>
+          <a:p>
+            <a:pPr lvl="0"/>
+            <a:r>
+              <a:rPr lang="en-US" altLang="zh-CN"/>
+              <a:t>Discussion</a:t>
+            </a:r>
+            <a:endParaRPr lang="en-US" altLang="zh-CN"/>
+          </a:p>
+        </p:txBody>
+      </p:sp>
+    </p:spTree>
+  </p:cSld>
+  <p:clrMapOvr>
+    <a:masterClrMapping/>
+  </p:clrMapOvr>
+</p:sld>
+</file>
+
+<file path=ppt/slides/slide4.xml><?xml version="1.0" encoding="utf-8"?>
 <p:sld xmlns:a="http://schemas.openxmlformats.org/drawingml/2006/main" xmlns:r="http://schemas.openxmlformats.org/officeDocument/2006/relationships" xmlns:p="http://schemas.openxmlformats.org/presentationml/2006/main">
   <p:cSld>
     <p:spTree>
@@ -4202,7 +4530,7 @@
 </p:sld>
 </file>
 
-<file path=ppt/slides/slide4.xml><?xml version="1.0" encoding="utf-8"?>
+<file path=ppt/slides/slide5.xml><?xml version="1.0" encoding="utf-8"?>
 <p:sld xmlns:a="http://schemas.openxmlformats.org/drawingml/2006/main" xmlns:r="http://schemas.openxmlformats.org/officeDocument/2006/relationships" xmlns:p="http://schemas.openxmlformats.org/presentationml/2006/main">
   <p:cSld>
     <p:spTree>
@@ -4378,7 +4706,7 @@
 </p:sld>
 </file>
 
-<file path=ppt/slides/slide5.xml><?xml version="1.0" encoding="utf-8"?>
+<file path=ppt/slides/slide6.xml><?xml version="1.0" encoding="utf-8"?>
 <p:sld xmlns:a="http://schemas.openxmlformats.org/drawingml/2006/main" xmlns:r="http://schemas.openxmlformats.org/officeDocument/2006/relationships" xmlns:p="http://schemas.openxmlformats.org/presentationml/2006/main">
   <p:cSld>
     <p:spTree>
@@ -4755,7 +5083,7 @@
 </p:sld>
 </file>
 
-<file path=ppt/slides/slide6.xml><?xml version="1.0" encoding="utf-8"?>
+<file path=ppt/slides/slide7.xml><?xml version="1.0" encoding="utf-8"?>
 <p:sld xmlns:a="http://schemas.openxmlformats.org/drawingml/2006/main" xmlns:r="http://schemas.openxmlformats.org/officeDocument/2006/relationships" xmlns:p="http://schemas.openxmlformats.org/presentationml/2006/main">
   <p:cSld>
     <p:spTree>
@@ -4857,7 +5185,7 @@
 </p:sld>
 </file>
 
-<file path=ppt/slides/slide7.xml><?xml version="1.0" encoding="utf-8"?>
+<file path=ppt/slides/slide8.xml><?xml version="1.0" encoding="utf-8"?>
 <p:sld xmlns:a="http://schemas.openxmlformats.org/drawingml/2006/main" xmlns:r="http://schemas.openxmlformats.org/officeDocument/2006/relationships" xmlns:p="http://schemas.openxmlformats.org/presentationml/2006/main">
   <p:cSld>
     <p:spTree>
@@ -4962,7 +5290,7 @@
 </p:sld>
 </file>
 
-<file path=ppt/slides/slide8.xml><?xml version="1.0" encoding="utf-8"?>
+<file path=ppt/slides/slide9.xml><?xml version="1.0" encoding="utf-8"?>
 <p:sld xmlns:a="http://schemas.openxmlformats.org/drawingml/2006/main" xmlns:r="http://schemas.openxmlformats.org/officeDocument/2006/relationships" xmlns:p="http://schemas.openxmlformats.org/presentationml/2006/main">
   <p:cSld>
     <p:spTree>
@@ -5142,111 +5470,6 @@
           </a:prstGeom>
         </p:spPr>
       </p:pic>
-    </p:spTree>
-  </p:cSld>
-  <p:clrMapOvr>
-    <a:masterClrMapping/>
-  </p:clrMapOvr>
-</p:sld>
-</file>
-
-<file path=ppt/slides/slide9.xml><?xml version="1.0" encoding="utf-8"?>
-<p:sld xmlns:a="http://schemas.openxmlformats.org/drawingml/2006/main" xmlns:r="http://schemas.openxmlformats.org/officeDocument/2006/relationships" xmlns:p="http://schemas.openxmlformats.org/presentationml/2006/main">
-  <p:cSld>
-    <p:spTree>
-      <p:nvGrpSpPr>
-        <p:cNvPr id="1" name=""/>
-        <p:cNvGrpSpPr/>
-        <p:nvPr/>
-      </p:nvGrpSpPr>
-      <p:grpSpPr/>
-      <p:sp>
-        <p:nvSpPr>
-          <p:cNvPr id="2" name="标题 1"/>
-          <p:cNvSpPr>
-            <a:spLocks noGrp="1"/>
-          </p:cNvSpPr>
-          <p:nvPr>
-            <p:ph type="title"/>
-          </p:nvPr>
-        </p:nvSpPr>
-        <p:spPr/>
-        <p:txBody>
-          <a:bodyPr>
-            <a:normAutofit/>
-          </a:bodyPr>
-          <a:p>
-            <a:r>
-              <a:rPr lang="en-US" altLang="zh-CN">
-                <a:sym typeface="+mn-ea"/>
-              </a:rPr>
-              <a:t>Background - Purpose of the App</a:t>
-            </a:r>
-            <a:endParaRPr lang="zh-CN" altLang="en-US"/>
-          </a:p>
-        </p:txBody>
-      </p:sp>
-      <p:sp>
-        <p:nvSpPr>
-          <p:cNvPr id="3" name="内容占位符 2"/>
-          <p:cNvSpPr>
-            <a:spLocks noGrp="1"/>
-          </p:cNvSpPr>
-          <p:nvPr>
-            <p:ph idx="1"/>
-          </p:nvPr>
-        </p:nvSpPr>
-        <p:spPr/>
-        <p:txBody>
-          <a:bodyPr/>
-          <a:p>
-            <a:pPr marL="457200" lvl="1" indent="0">
-              <a:buNone/>
-            </a:pPr>
-            <a:r>
-              <a:rPr lang="en-US" altLang="zh-CN" sz="2800">
-                <a:sym typeface="+mn-ea"/>
-              </a:rPr>
-              <a:t>We want to know: what is going on</a:t>
-            </a:r>
-            <a:endParaRPr lang="en-US" altLang="zh-CN" sz="2800"/>
-          </a:p>
-          <a:p>
-            <a:pPr lvl="1"/>
-            <a:r>
-              <a:rPr lang="en-US" altLang="zh-CN" sz="1400">
-                <a:sym typeface="+mn-ea"/>
-              </a:rPr>
-              <a:t>(and what if I want to use your methods but not familiar with R :))))?)</a:t>
-            </a:r>
-            <a:endParaRPr lang="en-US" altLang="zh-CN" sz="1400">
-              <a:sym typeface="+mn-ea"/>
-            </a:endParaRPr>
-          </a:p>
-          <a:p>
-            <a:pPr lvl="1"/>
-            <a:endParaRPr lang="en-US" altLang="zh-CN" sz="1900"/>
-          </a:p>
-          <a:p>
-            <a:pPr lvl="1"/>
-            <a:endParaRPr lang="en-US" altLang="zh-CN" sz="1900"/>
-          </a:p>
-          <a:p>
-            <a:pPr lvl="1"/>
-            <a:endParaRPr lang="en-US" altLang="zh-CN" sz="1900"/>
-          </a:p>
-          <a:p>
-            <a:pPr lvl="1"/>
-            <a:endParaRPr lang="en-US" altLang="zh-CN" sz="1900"/>
-          </a:p>
-          <a:p>
-            <a:pPr marL="0" lvl="0" indent="0">
-              <a:buNone/>
-            </a:pPr>
-            <a:endParaRPr lang="en-US" altLang="zh-CN" sz="2215"/>
-          </a:p>
-        </p:txBody>
-      </p:sp>
     </p:spTree>
   </p:cSld>
   <p:clrMapOvr>
